--- a/204 - Glorious Things of Thee are Spoken.pptx
+++ b/204 - Glorious Things of Thee are Spoken.pptx
@@ -243,7 +243,7 @@
           <a:p>
             <a:fld id="{32F7251A-AE54-443C-B8FE-5F636E835EBF}" type="datetimeFigureOut">
               <a:rPr lang="en-US" smtClean="0"/>
-              <a:t>7/14/2019</a:t>
+              <a:t>8/9/2020</a:t>
             </a:fld>
             <a:endParaRPr lang="en-US"/>
           </a:p>
@@ -411,7 +411,7 @@
           <a:p>
             <a:fld id="{32F7251A-AE54-443C-B8FE-5F636E835EBF}" type="datetimeFigureOut">
               <a:rPr lang="en-US" smtClean="0"/>
-              <a:t>7/14/2019</a:t>
+              <a:t>8/9/2020</a:t>
             </a:fld>
             <a:endParaRPr lang="en-US"/>
           </a:p>
@@ -589,7 +589,7 @@
           <a:p>
             <a:fld id="{32F7251A-AE54-443C-B8FE-5F636E835EBF}" type="datetimeFigureOut">
               <a:rPr lang="en-US" smtClean="0"/>
-              <a:t>7/14/2019</a:t>
+              <a:t>8/9/2020</a:t>
             </a:fld>
             <a:endParaRPr lang="en-US"/>
           </a:p>
@@ -757,7 +757,7 @@
           <a:p>
             <a:fld id="{32F7251A-AE54-443C-B8FE-5F636E835EBF}" type="datetimeFigureOut">
               <a:rPr lang="en-US" smtClean="0"/>
-              <a:t>7/14/2019</a:t>
+              <a:t>8/9/2020</a:t>
             </a:fld>
             <a:endParaRPr lang="en-US"/>
           </a:p>
@@ -1002,7 +1002,7 @@
           <a:p>
             <a:fld id="{32F7251A-AE54-443C-B8FE-5F636E835EBF}" type="datetimeFigureOut">
               <a:rPr lang="en-US" smtClean="0"/>
-              <a:t>7/14/2019</a:t>
+              <a:t>8/9/2020</a:t>
             </a:fld>
             <a:endParaRPr lang="en-US"/>
           </a:p>
@@ -1231,7 +1231,7 @@
           <a:p>
             <a:fld id="{32F7251A-AE54-443C-B8FE-5F636E835EBF}" type="datetimeFigureOut">
               <a:rPr lang="en-US" smtClean="0"/>
-              <a:t>7/14/2019</a:t>
+              <a:t>8/9/2020</a:t>
             </a:fld>
             <a:endParaRPr lang="en-US"/>
           </a:p>
@@ -1595,7 +1595,7 @@
           <a:p>
             <a:fld id="{32F7251A-AE54-443C-B8FE-5F636E835EBF}" type="datetimeFigureOut">
               <a:rPr lang="en-US" smtClean="0"/>
-              <a:t>7/14/2019</a:t>
+              <a:t>8/9/2020</a:t>
             </a:fld>
             <a:endParaRPr lang="en-US"/>
           </a:p>
@@ -1712,7 +1712,7 @@
           <a:p>
             <a:fld id="{32F7251A-AE54-443C-B8FE-5F636E835EBF}" type="datetimeFigureOut">
               <a:rPr lang="en-US" smtClean="0"/>
-              <a:t>7/14/2019</a:t>
+              <a:t>8/9/2020</a:t>
             </a:fld>
             <a:endParaRPr lang="en-US"/>
           </a:p>
@@ -1807,7 +1807,7 @@
           <a:p>
             <a:fld id="{32F7251A-AE54-443C-B8FE-5F636E835EBF}" type="datetimeFigureOut">
               <a:rPr lang="en-US" smtClean="0"/>
-              <a:t>7/14/2019</a:t>
+              <a:t>8/9/2020</a:t>
             </a:fld>
             <a:endParaRPr lang="en-US"/>
           </a:p>
@@ -2082,7 +2082,7 @@
           <a:p>
             <a:fld id="{32F7251A-AE54-443C-B8FE-5F636E835EBF}" type="datetimeFigureOut">
               <a:rPr lang="en-US" smtClean="0"/>
-              <a:t>7/14/2019</a:t>
+              <a:t>8/9/2020</a:t>
             </a:fld>
             <a:endParaRPr lang="en-US"/>
           </a:p>
@@ -2334,7 +2334,7 @@
           <a:p>
             <a:fld id="{32F7251A-AE54-443C-B8FE-5F636E835EBF}" type="datetimeFigureOut">
               <a:rPr lang="en-US" smtClean="0"/>
-              <a:t>7/14/2019</a:t>
+              <a:t>8/9/2020</a:t>
             </a:fld>
             <a:endParaRPr lang="en-US"/>
           </a:p>
@@ -2401,7 +2401,9 @@
     <p:bg>
       <p:bgPr>
         <a:solidFill>
-          <a:srgbClr val="333333"/>
+          <a:schemeClr val="bg1">
+            <a:lumMod val="10000"/>
+          </a:schemeClr>
         </a:solidFill>
         <a:effectLst/>
       </p:bgPr>
@@ -2548,7 +2550,7 @@
           <a:p>
             <a:fld id="{32F7251A-AE54-443C-B8FE-5F636E835EBF}" type="datetimeFigureOut">
               <a:rPr lang="en-US" smtClean="0"/>
-              <a:t>7/14/2019</a:t>
+              <a:t>8/9/2020</a:t>
             </a:fld>
             <a:endParaRPr lang="en-US"/>
           </a:p>
@@ -3018,8 +3020,8 @@
         </p:nvSpPr>
         <p:spPr>
           <a:xfrm>
-            <a:off x="0" y="5804209"/>
-            <a:ext cx="12192000" cy="830997"/>
+            <a:off x="0" y="5927320"/>
+            <a:ext cx="12192000" cy="584775"/>
           </a:xfrm>
           <a:prstGeom prst="rect">
             <a:avLst/>
@@ -3034,10 +3036,12 @@
           <a:p>
             <a:pPr algn="ctr"/>
             <a:r>
-              <a:rPr lang="en-US" sz="4800" dirty="0">
+              <a:rPr lang="en-US" sz="3200" u="sng" dirty="0">
                 <a:solidFill>
                   <a:schemeClr val="bg1"/>
                 </a:solidFill>
+                <a:latin typeface="Assistant SemiBold" panose="00000700000000000000" pitchFamily="2" charset="-79"/>
+                <a:cs typeface="Assistant SemiBold" panose="00000700000000000000" pitchFamily="2" charset="-79"/>
               </a:rPr>
               <a:t>“Glorious Things of Thee are Spoken”</a:t>
             </a:r>
@@ -3052,8 +3056,8 @@
         </p:nvSpPr>
         <p:spPr>
           <a:xfrm>
-            <a:off x="0" y="334672"/>
-            <a:ext cx="12192000" cy="5078313"/>
+            <a:off x="0" y="729571"/>
+            <a:ext cx="12192000" cy="3970318"/>
           </a:xfrm>
           <a:prstGeom prst="rect">
             <a:avLst/>
@@ -3068,10 +3072,12 @@
           <a:p>
             <a:pPr algn="ctr"/>
             <a:r>
-              <a:rPr lang="en-US" sz="3600" dirty="0">
+              <a:rPr lang="en-US" sz="2800" spc="50" dirty="0">
                 <a:solidFill>
                   <a:schemeClr val="bg1"/>
                 </a:solidFill>
+                <a:latin typeface="Assistant" panose="00000500000000000000" pitchFamily="2" charset="-79"/>
+                <a:cs typeface="Assistant" panose="00000500000000000000" pitchFamily="2" charset="-79"/>
               </a:rPr>
               <a:t>Glorious things of Thee are spoken,</a:t>
             </a:r>
@@ -3079,10 +3085,12 @@
           <a:p>
             <a:pPr algn="ctr"/>
             <a:r>
-              <a:rPr lang="en-US" sz="3600" dirty="0">
+              <a:rPr lang="en-US" sz="2800" spc="50" dirty="0">
                 <a:solidFill>
                   <a:schemeClr val="bg1"/>
                 </a:solidFill>
+                <a:latin typeface="Assistant" panose="00000500000000000000" pitchFamily="2" charset="-79"/>
+                <a:cs typeface="Assistant" panose="00000500000000000000" pitchFamily="2" charset="-79"/>
               </a:rPr>
               <a:t>Zion, city of our God;</a:t>
             </a:r>
@@ -3090,10 +3098,12 @@
           <a:p>
             <a:pPr algn="ctr"/>
             <a:r>
-              <a:rPr lang="en-US" sz="3600" dirty="0">
+              <a:rPr lang="en-US" sz="2800" spc="50" dirty="0">
                 <a:solidFill>
                   <a:schemeClr val="bg1"/>
                 </a:solidFill>
+                <a:latin typeface="Assistant" panose="00000500000000000000" pitchFamily="2" charset="-79"/>
+                <a:cs typeface="Assistant" panose="00000500000000000000" pitchFamily="2" charset="-79"/>
               </a:rPr>
               <a:t>He, whose word cannot be broken,</a:t>
             </a:r>
@@ -3101,29 +3111,35 @@
           <a:p>
             <a:pPr algn="ctr"/>
             <a:r>
-              <a:rPr lang="en-US" sz="3600" dirty="0">
+              <a:rPr lang="en-US" sz="2800" spc="50" dirty="0">
                 <a:solidFill>
                   <a:schemeClr val="bg1"/>
                 </a:solidFill>
+                <a:latin typeface="Assistant" panose="00000500000000000000" pitchFamily="2" charset="-79"/>
+                <a:cs typeface="Assistant" panose="00000500000000000000" pitchFamily="2" charset="-79"/>
               </a:rPr>
               <a:t>Formed thee for His own abode.</a:t>
             </a:r>
           </a:p>
           <a:p>
             <a:pPr algn="ctr"/>
-            <a:endParaRPr lang="en-US" sz="3600" dirty="0">
+            <a:endParaRPr lang="en-US" sz="2800" spc="50" dirty="0">
               <a:solidFill>
                 <a:schemeClr val="bg1"/>
               </a:solidFill>
+              <a:latin typeface="Assistant" panose="00000500000000000000" pitchFamily="2" charset="-79"/>
+              <a:cs typeface="Assistant" panose="00000500000000000000" pitchFamily="2" charset="-79"/>
             </a:endParaRPr>
           </a:p>
           <a:p>
             <a:pPr algn="ctr"/>
             <a:r>
-              <a:rPr lang="en-US" sz="3600" dirty="0">
+              <a:rPr lang="en-US" sz="2800" spc="50" dirty="0">
                 <a:solidFill>
                   <a:schemeClr val="bg1"/>
                 </a:solidFill>
+                <a:latin typeface="Assistant" panose="00000500000000000000" pitchFamily="2" charset="-79"/>
+                <a:cs typeface="Assistant" panose="00000500000000000000" pitchFamily="2" charset="-79"/>
               </a:rPr>
               <a:t>On the rock of ages founded,</a:t>
             </a:r>
@@ -3131,10 +3147,12 @@
           <a:p>
             <a:pPr algn="ctr"/>
             <a:r>
-              <a:rPr lang="en-US" sz="3600" dirty="0">
+              <a:rPr lang="en-US" sz="2800" spc="50" dirty="0">
                 <a:solidFill>
                   <a:schemeClr val="bg1"/>
                 </a:solidFill>
+                <a:latin typeface="Assistant" panose="00000500000000000000" pitchFamily="2" charset="-79"/>
+                <a:cs typeface="Assistant" panose="00000500000000000000" pitchFamily="2" charset="-79"/>
               </a:rPr>
               <a:t>What can shake thy sure repose?</a:t>
             </a:r>
@@ -3142,10 +3160,12 @@
           <a:p>
             <a:pPr algn="ctr"/>
             <a:r>
-              <a:rPr lang="en-US" sz="3600" dirty="0">
+              <a:rPr lang="en-US" sz="2800" spc="50" dirty="0">
                 <a:solidFill>
                   <a:schemeClr val="bg1"/>
                 </a:solidFill>
+                <a:latin typeface="Assistant" panose="00000500000000000000" pitchFamily="2" charset="-79"/>
+                <a:cs typeface="Assistant" panose="00000500000000000000" pitchFamily="2" charset="-79"/>
               </a:rPr>
               <a:t>With salvation’s walls surrounded,</a:t>
             </a:r>
@@ -3153,10 +3173,12 @@
           <a:p>
             <a:pPr algn="ctr"/>
             <a:r>
-              <a:rPr lang="en-US" sz="3600" dirty="0">
+              <a:rPr lang="en-US" sz="2800" spc="50" dirty="0">
                 <a:solidFill>
                   <a:schemeClr val="bg1"/>
                 </a:solidFill>
+                <a:latin typeface="Assistant" panose="00000500000000000000" pitchFamily="2" charset="-79"/>
+                <a:cs typeface="Assistant" panose="00000500000000000000" pitchFamily="2" charset="-79"/>
               </a:rPr>
               <a:t>Thou mayest smile at all thy foes.</a:t>
             </a:r>
@@ -3258,8 +3280,8 @@
         </p:nvSpPr>
         <p:spPr>
           <a:xfrm>
-            <a:off x="0" y="5804209"/>
-            <a:ext cx="12192000" cy="830997"/>
+            <a:off x="0" y="5927320"/>
+            <a:ext cx="12192000" cy="584775"/>
           </a:xfrm>
           <a:prstGeom prst="rect">
             <a:avLst/>
@@ -3274,10 +3296,12 @@
           <a:p>
             <a:pPr algn="ctr"/>
             <a:r>
-              <a:rPr lang="en-US" sz="4800" dirty="0">
+              <a:rPr lang="en-US" sz="3200" u="sng" dirty="0">
                 <a:solidFill>
                   <a:schemeClr val="bg1"/>
                 </a:solidFill>
+                <a:latin typeface="Assistant SemiBold" panose="00000700000000000000" pitchFamily="2" charset="-79"/>
+                <a:cs typeface="Assistant SemiBold" panose="00000700000000000000" pitchFamily="2" charset="-79"/>
               </a:rPr>
               <a:t>“Glorious Things of Thee are Spoken”</a:t>
             </a:r>
@@ -3292,8 +3316,8 @@
         </p:nvSpPr>
         <p:spPr>
           <a:xfrm>
-            <a:off x="0" y="334672"/>
-            <a:ext cx="12192000" cy="5078313"/>
+            <a:off x="0" y="729571"/>
+            <a:ext cx="12192000" cy="3970318"/>
           </a:xfrm>
           <a:prstGeom prst="rect">
             <a:avLst/>
@@ -3308,10 +3332,12 @@
           <a:p>
             <a:pPr algn="ctr"/>
             <a:r>
-              <a:rPr lang="en-US" sz="3600" dirty="0">
+              <a:rPr lang="en-US" sz="2800" spc="50" dirty="0">
                 <a:solidFill>
                   <a:schemeClr val="bg1"/>
                 </a:solidFill>
+                <a:latin typeface="Assistant" panose="00000500000000000000" pitchFamily="2" charset="-79"/>
+                <a:cs typeface="Assistant" panose="00000500000000000000" pitchFamily="2" charset="-79"/>
               </a:rPr>
               <a:t>See, the streams of living waters,</a:t>
             </a:r>
@@ -3319,10 +3345,12 @@
           <a:p>
             <a:pPr algn="ctr"/>
             <a:r>
-              <a:rPr lang="en-US" sz="3600" dirty="0">
+              <a:rPr lang="en-US" sz="2800" spc="50" dirty="0">
                 <a:solidFill>
                   <a:schemeClr val="bg1"/>
                 </a:solidFill>
+                <a:latin typeface="Assistant" panose="00000500000000000000" pitchFamily="2" charset="-79"/>
+                <a:cs typeface="Assistant" panose="00000500000000000000" pitchFamily="2" charset="-79"/>
               </a:rPr>
               <a:t>Springing from eternal love,</a:t>
             </a:r>
@@ -3330,10 +3358,12 @@
           <a:p>
             <a:pPr algn="ctr"/>
             <a:r>
-              <a:rPr lang="en-US" sz="3600" dirty="0">
+              <a:rPr lang="en-US" sz="2800" spc="50" dirty="0">
                 <a:solidFill>
                   <a:schemeClr val="bg1"/>
                 </a:solidFill>
+                <a:latin typeface="Assistant" panose="00000500000000000000" pitchFamily="2" charset="-79"/>
+                <a:cs typeface="Assistant" panose="00000500000000000000" pitchFamily="2" charset="-79"/>
               </a:rPr>
               <a:t>Well supply thy sons and daughters,</a:t>
             </a:r>
@@ -3341,29 +3371,35 @@
           <a:p>
             <a:pPr algn="ctr"/>
             <a:r>
-              <a:rPr lang="en-US" sz="3600" dirty="0">
+              <a:rPr lang="en-US" sz="2800" spc="50" dirty="0">
                 <a:solidFill>
                   <a:schemeClr val="bg1"/>
                 </a:solidFill>
+                <a:latin typeface="Assistant" panose="00000500000000000000" pitchFamily="2" charset="-79"/>
+                <a:cs typeface="Assistant" panose="00000500000000000000" pitchFamily="2" charset="-79"/>
               </a:rPr>
               <a:t>And all fear of want remove.</a:t>
             </a:r>
           </a:p>
           <a:p>
             <a:pPr algn="ctr"/>
-            <a:endParaRPr lang="en-US" sz="3600" dirty="0">
+            <a:endParaRPr lang="en-US" sz="2800" spc="50" dirty="0">
               <a:solidFill>
                 <a:schemeClr val="bg1"/>
               </a:solidFill>
+              <a:latin typeface="Assistant" panose="00000500000000000000" pitchFamily="2" charset="-79"/>
+              <a:cs typeface="Assistant" panose="00000500000000000000" pitchFamily="2" charset="-79"/>
             </a:endParaRPr>
           </a:p>
           <a:p>
             <a:pPr algn="ctr"/>
             <a:r>
-              <a:rPr lang="en-US" sz="3600" dirty="0">
+              <a:rPr lang="en-US" sz="2800" spc="50" dirty="0">
                 <a:solidFill>
                   <a:schemeClr val="bg1"/>
                 </a:solidFill>
+                <a:latin typeface="Assistant" panose="00000500000000000000" pitchFamily="2" charset="-79"/>
+                <a:cs typeface="Assistant" panose="00000500000000000000" pitchFamily="2" charset="-79"/>
               </a:rPr>
               <a:t>Who can faint when such a river</a:t>
             </a:r>
@@ -3371,10 +3407,12 @@
           <a:p>
             <a:pPr algn="ctr"/>
             <a:r>
-              <a:rPr lang="en-US" sz="3600" dirty="0">
+              <a:rPr lang="en-US" sz="2800" spc="50" dirty="0">
                 <a:solidFill>
                   <a:schemeClr val="bg1"/>
                 </a:solidFill>
+                <a:latin typeface="Assistant" panose="00000500000000000000" pitchFamily="2" charset="-79"/>
+                <a:cs typeface="Assistant" panose="00000500000000000000" pitchFamily="2" charset="-79"/>
               </a:rPr>
               <a:t>Ever will their thirst assuage?</a:t>
             </a:r>
@@ -3382,10 +3420,12 @@
           <a:p>
             <a:pPr algn="ctr"/>
             <a:r>
-              <a:rPr lang="en-US" sz="3600" dirty="0">
+              <a:rPr lang="en-US" sz="2800" spc="50" dirty="0">
                 <a:solidFill>
                   <a:schemeClr val="bg1"/>
                 </a:solidFill>
+                <a:latin typeface="Assistant" panose="00000500000000000000" pitchFamily="2" charset="-79"/>
+                <a:cs typeface="Assistant" panose="00000500000000000000" pitchFamily="2" charset="-79"/>
               </a:rPr>
               <a:t>Grace, which like the Lord, the giver,</a:t>
             </a:r>
@@ -3393,10 +3433,12 @@
           <a:p>
             <a:pPr algn="ctr"/>
             <a:r>
-              <a:rPr lang="en-US" sz="3600" dirty="0">
+              <a:rPr lang="en-US" sz="2800" spc="50" dirty="0">
                 <a:solidFill>
                   <a:schemeClr val="bg1"/>
                 </a:solidFill>
+                <a:latin typeface="Assistant" panose="00000500000000000000" pitchFamily="2" charset="-79"/>
+                <a:cs typeface="Assistant" panose="00000500000000000000" pitchFamily="2" charset="-79"/>
               </a:rPr>
               <a:t>Never fails from age to age.</a:t>
             </a:r>
@@ -3527,8 +3569,8 @@
         </p:nvSpPr>
         <p:spPr>
           <a:xfrm>
-            <a:off x="0" y="5804209"/>
-            <a:ext cx="12192000" cy="830997"/>
+            <a:off x="0" y="5927320"/>
+            <a:ext cx="12192000" cy="584775"/>
           </a:xfrm>
           <a:prstGeom prst="rect">
             <a:avLst/>
@@ -3559,19 +3601,12 @@
               <a:defRPr/>
             </a:pPr>
             <a:r>
-              <a:rPr kumimoji="0" lang="en-US" sz="4800" b="0" i="0" u="none" strike="noStrike" kern="1200" cap="none" spc="0" normalizeH="0" baseline="0" noProof="0" dirty="0">
-                <a:ln>
-                  <a:noFill/>
-                </a:ln>
+              <a:rPr lang="en-US" sz="3200" u="sng" dirty="0">
                 <a:solidFill>
-                  <a:srgbClr val="E1E2E1"/>
+                  <a:schemeClr val="bg1"/>
                 </a:solidFill>
-                <a:effectLst/>
-                <a:uLnTx/>
-                <a:uFillTx/>
-                <a:latin typeface="Calibri" panose="020F0502020204030204"/>
-                <a:ea typeface="+mn-ea"/>
-                <a:cs typeface="+mn-cs"/>
+                <a:latin typeface="Assistant SemiBold" panose="00000700000000000000" pitchFamily="2" charset="-79"/>
+                <a:cs typeface="Assistant SemiBold" panose="00000700000000000000" pitchFamily="2" charset="-79"/>
               </a:rPr>
               <a:t>“Glorious Things of Thee are Spoken”</a:t>
             </a:r>
@@ -3586,8 +3621,8 @@
         </p:nvSpPr>
         <p:spPr>
           <a:xfrm>
-            <a:off x="0" y="334672"/>
-            <a:ext cx="12192000" cy="5078313"/>
+            <a:off x="0" y="729571"/>
+            <a:ext cx="12192000" cy="3970318"/>
           </a:xfrm>
           <a:prstGeom prst="rect">
             <a:avLst/>
@@ -3600,7 +3635,7 @@
           </a:bodyPr>
           <a:lstStyle/>
           <a:p>
-            <a:pPr marL="0" marR="0" lvl="0" indent="0" algn="ctr" defTabSz="914400" rtl="0" eaLnBrk="1" fontAlgn="auto" latinLnBrk="0" hangingPunct="1">
+            <a:pPr marR="0" lvl="0" indent="0" algn="ctr" fontAlgn="auto">
               <a:lnSpc>
                 <a:spcPct val="100000"/>
               </a:lnSpc>
@@ -3618,25 +3653,18 @@
               <a:defRPr/>
             </a:pPr>
             <a:r>
-              <a:rPr kumimoji="0" lang="en-US" sz="3600" b="0" i="0" u="none" strike="noStrike" kern="1200" cap="none" spc="0" normalizeH="0" baseline="0" noProof="0" dirty="0">
-                <a:ln>
-                  <a:noFill/>
-                </a:ln>
+              <a:rPr lang="en-US" sz="2800" spc="50" dirty="0">
                 <a:solidFill>
-                  <a:srgbClr val="E1E2E1"/>
+                  <a:schemeClr val="bg1"/>
                 </a:solidFill>
-                <a:effectLst/>
-                <a:uLnTx/>
-                <a:uFillTx/>
-                <a:latin typeface="Calibri" panose="020F0502020204030204"/>
-                <a:ea typeface="+mn-ea"/>
-                <a:cs typeface="+mn-cs"/>
+                <a:latin typeface="Assistant" panose="00000500000000000000" pitchFamily="2" charset="-79"/>
+                <a:cs typeface="Assistant" panose="00000500000000000000" pitchFamily="2" charset="-79"/>
               </a:rPr>
               <a:t>Round each habitation hovering,</a:t>
             </a:r>
           </a:p>
           <a:p>
-            <a:pPr marL="0" marR="0" lvl="0" indent="0" algn="ctr" defTabSz="914400" rtl="0" eaLnBrk="1" fontAlgn="auto" latinLnBrk="0" hangingPunct="1">
+            <a:pPr marR="0" lvl="0" indent="0" algn="ctr" fontAlgn="auto">
               <a:lnSpc>
                 <a:spcPct val="100000"/>
               </a:lnSpc>
@@ -3654,17 +3682,18 @@
               <a:defRPr/>
             </a:pPr>
             <a:r>
-              <a:rPr lang="en-US" sz="3600" dirty="0">
+              <a:rPr lang="en-US" sz="2800" spc="50" dirty="0">
                 <a:solidFill>
-                  <a:srgbClr val="E1E2E1"/>
+                  <a:schemeClr val="bg1"/>
                 </a:solidFill>
-                <a:latin typeface="Calibri" panose="020F0502020204030204"/>
+                <a:latin typeface="Assistant" panose="00000500000000000000" pitchFamily="2" charset="-79"/>
+                <a:cs typeface="Assistant" panose="00000500000000000000" pitchFamily="2" charset="-79"/>
               </a:rPr>
               <a:t>See the cloud and fire appear</a:t>
             </a:r>
           </a:p>
           <a:p>
-            <a:pPr marL="0" marR="0" lvl="0" indent="0" algn="ctr" defTabSz="914400" rtl="0" eaLnBrk="1" fontAlgn="auto" latinLnBrk="0" hangingPunct="1">
+            <a:pPr marR="0" lvl="0" indent="0" algn="ctr" fontAlgn="auto">
               <a:lnSpc>
                 <a:spcPct val="100000"/>
               </a:lnSpc>
@@ -3682,34 +3711,18 @@
               <a:defRPr/>
             </a:pPr>
             <a:r>
-              <a:rPr kumimoji="0" lang="en-US" sz="3600" b="0" i="0" u="none" strike="noStrike" kern="1200" cap="none" spc="0" normalizeH="0" baseline="0" noProof="0" dirty="0">
-                <a:ln>
-                  <a:noFill/>
-                </a:ln>
+              <a:rPr lang="en-US" sz="2800" spc="50" dirty="0">
                 <a:solidFill>
-                  <a:srgbClr val="E1E2E1"/>
+                  <a:schemeClr val="bg1"/>
                 </a:solidFill>
-                <a:effectLst/>
-                <a:uLnTx/>
-                <a:uFillTx/>
-                <a:latin typeface="Calibri" panose="020F0502020204030204"/>
-                <a:ea typeface="+mn-ea"/>
-                <a:cs typeface="+mn-cs"/>
+                <a:latin typeface="Assistant" panose="00000500000000000000" pitchFamily="2" charset="-79"/>
+                <a:cs typeface="Assistant" panose="00000500000000000000" pitchFamily="2" charset="-79"/>
               </a:rPr>
-              <a:t>For a glory and</a:t>
-            </a:r>
-            <a:r>
-              <a:rPr lang="en-US" sz="3600" dirty="0">
-                <a:solidFill>
-                  <a:srgbClr val="E1E2E1"/>
-                </a:solidFill>
-                <a:latin typeface="Calibri" panose="020F0502020204030204"/>
-              </a:rPr>
-              <a:t> a covering,</a:t>
-            </a:r>
-          </a:p>
-          <a:p>
-            <a:pPr marL="0" marR="0" lvl="0" indent="0" algn="ctr" defTabSz="914400" rtl="0" eaLnBrk="1" fontAlgn="auto" latinLnBrk="0" hangingPunct="1">
+              <a:t>For a glory and a covering,</a:t>
+            </a:r>
+          </a:p>
+          <a:p>
+            <a:pPr marR="0" lvl="0" indent="0" algn="ctr" fontAlgn="auto">
               <a:lnSpc>
                 <a:spcPct val="100000"/>
               </a:lnSpc>
@@ -3727,34 +3740,18 @@
               <a:defRPr/>
             </a:pPr>
             <a:r>
-              <a:rPr kumimoji="0" lang="en-US" sz="3600" b="0" i="0" u="none" strike="noStrike" kern="1200" cap="none" spc="0" normalizeH="0" baseline="0" noProof="0" dirty="0">
-                <a:ln>
-                  <a:noFill/>
-                </a:ln>
+              <a:rPr lang="en-US" sz="2800" spc="50" dirty="0">
                 <a:solidFill>
-                  <a:srgbClr val="E1E2E1"/>
+                  <a:schemeClr val="bg1"/>
                 </a:solidFill>
-                <a:effectLst/>
-                <a:uLnTx/>
-                <a:uFillTx/>
-                <a:latin typeface="Calibri" panose="020F0502020204030204"/>
-                <a:ea typeface="+mn-ea"/>
-                <a:cs typeface="+mn-cs"/>
+                <a:latin typeface="Assistant" panose="00000500000000000000" pitchFamily="2" charset="-79"/>
+                <a:cs typeface="Assistant" panose="00000500000000000000" pitchFamily="2" charset="-79"/>
               </a:rPr>
-              <a:t>Showing that the Lord</a:t>
-            </a:r>
-            <a:r>
-              <a:rPr lang="en-US" sz="3600" dirty="0">
-                <a:solidFill>
-                  <a:srgbClr val="E1E2E1"/>
-                </a:solidFill>
-                <a:latin typeface="Calibri" panose="020F0502020204030204"/>
-              </a:rPr>
-              <a:t> is near.</a:t>
-            </a:r>
-          </a:p>
-          <a:p>
-            <a:pPr marL="0" marR="0" lvl="0" indent="0" algn="ctr" defTabSz="914400" rtl="0" eaLnBrk="1" fontAlgn="auto" latinLnBrk="0" hangingPunct="1">
+              <a:t>Showing that the Lord is near.</a:t>
+            </a:r>
+          </a:p>
+          <a:p>
+            <a:pPr marR="0" lvl="0" indent="0" algn="ctr" fontAlgn="auto">
               <a:lnSpc>
                 <a:spcPct val="100000"/>
               </a:lnSpc>
@@ -3771,23 +3768,16 @@
               <a:tabLst/>
               <a:defRPr/>
             </a:pPr>
-            <a:endParaRPr kumimoji="0" lang="en-US" sz="3600" b="0" i="0" u="none" strike="noStrike" kern="1200" cap="none" spc="0" normalizeH="0" baseline="0" noProof="0" dirty="0">
-              <a:ln>
-                <a:noFill/>
-              </a:ln>
+            <a:endParaRPr lang="en-US" sz="2800" spc="50" dirty="0">
               <a:solidFill>
-                <a:srgbClr val="E1E2E1"/>
+                <a:schemeClr val="bg1"/>
               </a:solidFill>
-              <a:effectLst/>
-              <a:uLnTx/>
-              <a:uFillTx/>
-              <a:latin typeface="Calibri" panose="020F0502020204030204"/>
-              <a:ea typeface="+mn-ea"/>
-              <a:cs typeface="+mn-cs"/>
+              <a:latin typeface="Assistant" panose="00000500000000000000" pitchFamily="2" charset="-79"/>
+              <a:cs typeface="Assistant" panose="00000500000000000000" pitchFamily="2" charset="-79"/>
             </a:endParaRPr>
           </a:p>
           <a:p>
-            <a:pPr marL="0" marR="0" lvl="0" indent="0" algn="ctr" defTabSz="914400" rtl="0" eaLnBrk="1" fontAlgn="auto" latinLnBrk="0" hangingPunct="1">
+            <a:pPr marR="0" lvl="0" indent="0" algn="ctr" fontAlgn="auto">
               <a:lnSpc>
                 <a:spcPct val="100000"/>
               </a:lnSpc>
@@ -3805,25 +3795,18 @@
               <a:defRPr/>
             </a:pPr>
             <a:r>
-              <a:rPr kumimoji="0" lang="en-US" sz="3600" b="0" i="0" u="none" strike="noStrike" kern="1200" cap="none" spc="0" normalizeH="0" baseline="0" noProof="0" dirty="0">
-                <a:ln>
-                  <a:noFill/>
-                </a:ln>
+              <a:rPr lang="en-US" sz="2800" spc="50" dirty="0">
                 <a:solidFill>
-                  <a:srgbClr val="E1E2E1"/>
+                  <a:schemeClr val="bg1"/>
                 </a:solidFill>
-                <a:effectLst/>
-                <a:uLnTx/>
-                <a:uFillTx/>
-                <a:latin typeface="Calibri" panose="020F0502020204030204"/>
-                <a:ea typeface="+mn-ea"/>
-                <a:cs typeface="+mn-cs"/>
+                <a:latin typeface="Assistant" panose="00000500000000000000" pitchFamily="2" charset="-79"/>
+                <a:cs typeface="Assistant" panose="00000500000000000000" pitchFamily="2" charset="-79"/>
               </a:rPr>
               <a:t>Glorious things of thee are spoken,</a:t>
             </a:r>
           </a:p>
           <a:p>
-            <a:pPr marL="0" marR="0" lvl="0" indent="0" algn="ctr" defTabSz="914400" rtl="0" eaLnBrk="1" fontAlgn="auto" latinLnBrk="0" hangingPunct="1">
+            <a:pPr marR="0" lvl="0" indent="0" algn="ctr" fontAlgn="auto">
               <a:lnSpc>
                 <a:spcPct val="100000"/>
               </a:lnSpc>
@@ -3841,17 +3824,18 @@
               <a:defRPr/>
             </a:pPr>
             <a:r>
-              <a:rPr lang="en-US" sz="3600" dirty="0">
+              <a:rPr lang="en-US" sz="2800" spc="50" dirty="0">
                 <a:solidFill>
-                  <a:srgbClr val="E1E2E1"/>
+                  <a:schemeClr val="bg1"/>
                 </a:solidFill>
-                <a:latin typeface="Calibri" panose="020F0502020204030204"/>
+                <a:latin typeface="Assistant" panose="00000500000000000000" pitchFamily="2" charset="-79"/>
+                <a:cs typeface="Assistant" panose="00000500000000000000" pitchFamily="2" charset="-79"/>
               </a:rPr>
               <a:t>Zion, city of our God,</a:t>
             </a:r>
           </a:p>
           <a:p>
-            <a:pPr marL="0" marR="0" lvl="0" indent="0" algn="ctr" defTabSz="914400" rtl="0" eaLnBrk="1" fontAlgn="auto" latinLnBrk="0" hangingPunct="1">
+            <a:pPr marR="0" lvl="0" indent="0" algn="ctr" fontAlgn="auto">
               <a:lnSpc>
                 <a:spcPct val="100000"/>
               </a:lnSpc>
@@ -3869,25 +3853,18 @@
               <a:defRPr/>
             </a:pPr>
             <a:r>
-              <a:rPr kumimoji="0" lang="en-US" sz="3600" b="0" i="0" u="none" strike="noStrike" kern="1200" cap="none" spc="0" normalizeH="0" baseline="0" noProof="0" dirty="0">
-                <a:ln>
-                  <a:noFill/>
-                </a:ln>
+              <a:rPr lang="en-US" sz="2800" spc="50" dirty="0">
                 <a:solidFill>
-                  <a:srgbClr val="E1E2E1"/>
+                  <a:schemeClr val="bg1"/>
                 </a:solidFill>
-                <a:effectLst/>
-                <a:uLnTx/>
-                <a:uFillTx/>
-                <a:latin typeface="Calibri" panose="020F0502020204030204"/>
-                <a:ea typeface="+mn-ea"/>
-                <a:cs typeface="+mn-cs"/>
+                <a:latin typeface="Assistant" panose="00000500000000000000" pitchFamily="2" charset="-79"/>
+                <a:cs typeface="Assistant" panose="00000500000000000000" pitchFamily="2" charset="-79"/>
               </a:rPr>
               <a:t>He whose word cannot be broken</a:t>
             </a:r>
           </a:p>
           <a:p>
-            <a:pPr marL="0" marR="0" lvl="0" indent="0" algn="ctr" defTabSz="914400" rtl="0" eaLnBrk="1" fontAlgn="auto" latinLnBrk="0" hangingPunct="1">
+            <a:pPr marR="0" lvl="0" indent="0" algn="ctr" fontAlgn="auto">
               <a:lnSpc>
                 <a:spcPct val="100000"/>
               </a:lnSpc>
@@ -3905,38 +3882,14 @@
               <a:defRPr/>
             </a:pPr>
             <a:r>
-              <a:rPr kumimoji="0" lang="en-US" sz="3600" b="0" i="0" u="none" strike="noStrike" kern="1200" cap="none" spc="0" normalizeH="0" baseline="0" noProof="0">
-                <a:ln>
-                  <a:noFill/>
-                </a:ln>
+              <a:rPr lang="en-US" sz="2800" spc="50" dirty="0">
                 <a:solidFill>
-                  <a:srgbClr val="E1E2E1"/>
+                  <a:schemeClr val="bg1"/>
                 </a:solidFill>
-                <a:effectLst/>
-                <a:uLnTx/>
-                <a:uFillTx/>
-                <a:latin typeface="Calibri" panose="020F0502020204030204"/>
-                <a:ea typeface="+mn-ea"/>
-                <a:cs typeface="+mn-cs"/>
+                <a:latin typeface="Assistant" panose="00000500000000000000" pitchFamily="2" charset="-79"/>
+                <a:cs typeface="Assistant" panose="00000500000000000000" pitchFamily="2" charset="-79"/>
               </a:rPr>
-              <a:t>Formed thee </a:t>
-            </a:r>
-            <a:r>
-              <a:rPr kumimoji="0" lang="en-US" sz="3600" b="0" i="0" u="none" strike="noStrike" kern="1200" cap="none" spc="0" normalizeH="0" baseline="0" noProof="0" dirty="0">
-                <a:ln>
-                  <a:noFill/>
-                </a:ln>
-                <a:solidFill>
-                  <a:srgbClr val="E1E2E1"/>
-                </a:solidFill>
-                <a:effectLst/>
-                <a:uLnTx/>
-                <a:uFillTx/>
-                <a:latin typeface="Calibri" panose="020F0502020204030204"/>
-                <a:ea typeface="+mn-ea"/>
-                <a:cs typeface="+mn-cs"/>
-              </a:rPr>
-              <a:t>for His own abode.</a:t>
+              <a:t>Formed thee for His own abode.</a:t>
             </a:r>
           </a:p>
         </p:txBody>
